--- a/Presentación.pptx
+++ b/Presentación.pptx
@@ -5,10 +5,10 @@
     <p:sldMasterId id="2147483648" r:id="rId4"/>
   </p:sldMasterIdLst>
   <p:notesMasterIdLst>
-    <p:notesMasterId r:id="rId15"/>
+    <p:notesMasterId r:id="rId16"/>
   </p:notesMasterIdLst>
   <p:handoutMasterIdLst>
-    <p:handoutMasterId r:id="rId16"/>
+    <p:handoutMasterId r:id="rId17"/>
   </p:handoutMasterIdLst>
   <p:sldIdLst>
     <p:sldId id="256" r:id="rId5"/>
@@ -20,7 +20,8 @@
     <p:sldId id="276" r:id="rId11"/>
     <p:sldId id="271" r:id="rId12"/>
     <p:sldId id="269" r:id="rId13"/>
-    <p:sldId id="275" r:id="rId14"/>
+    <p:sldId id="277" r:id="rId14"/>
+    <p:sldId id="275" r:id="rId15"/>
   </p:sldIdLst>
   <p:sldSz cx="12192000" cy="6858000"/>
   <p:notesSz cx="6858000" cy="9144000"/>
@@ -154,8 +155,8 @@
 <pc:chgInfo xmlns:a="http://schemas.openxmlformats.org/drawingml/2006/main" xmlns:r="http://schemas.openxmlformats.org/officeDocument/2006/relationships" xmlns:ac="http://schemas.microsoft.com/office/drawing/2013/main/command" xmlns:pc="http://schemas.microsoft.com/office/powerpoint/2013/main/command">
   <pc:docChgLst>
     <pc:chgData name="Brais Barboza Ordóñez" userId="b12ea269-bb14-4fab-aba9-c3326111896d" providerId="ADAL" clId="{98B1694D-CC28-4AA3-9DCA-00EA61110421}"/>
-    <pc:docChg chg="undo custSel modSld">
-      <pc:chgData name="Brais Barboza Ordóñez" userId="b12ea269-bb14-4fab-aba9-c3326111896d" providerId="ADAL" clId="{98B1694D-CC28-4AA3-9DCA-00EA61110421}" dt="2022-01-10T13:51:06.445" v="13"/>
+    <pc:docChg chg="undo custSel addSld modSld">
+      <pc:chgData name="Brais Barboza Ordóñez" userId="b12ea269-bb14-4fab-aba9-c3326111896d" providerId="ADAL" clId="{98B1694D-CC28-4AA3-9DCA-00EA61110421}" dt="2022-01-10T13:56:05.927" v="168" actId="313"/>
       <pc:docMkLst>
         <pc:docMk/>
       </pc:docMkLst>
@@ -262,6 +263,29 @@
             <pc:docMk/>
             <pc:sldMk cId="926184573" sldId="275"/>
             <ac:spMk id="3" creationId="{BABC2CE0-8806-4B2A-A10A-32984D317434}"/>
+          </ac:spMkLst>
+        </pc:spChg>
+      </pc:sldChg>
+      <pc:sldChg chg="modSp add mod">
+        <pc:chgData name="Brais Barboza Ordóñez" userId="b12ea269-bb14-4fab-aba9-c3326111896d" providerId="ADAL" clId="{98B1694D-CC28-4AA3-9DCA-00EA61110421}" dt="2022-01-10T13:56:05.927" v="168" actId="313"/>
+        <pc:sldMkLst>
+          <pc:docMk/>
+          <pc:sldMk cId="2400300281" sldId="277"/>
+        </pc:sldMkLst>
+        <pc:spChg chg="mod">
+          <ac:chgData name="Brais Barboza Ordóñez" userId="b12ea269-bb14-4fab-aba9-c3326111896d" providerId="ADAL" clId="{98B1694D-CC28-4AA3-9DCA-00EA61110421}" dt="2022-01-10T13:54:21.652" v="40" actId="20577"/>
+          <ac:spMkLst>
+            <pc:docMk/>
+            <pc:sldMk cId="2400300281" sldId="277"/>
+            <ac:spMk id="2" creationId="{27A6F7BB-30A8-4980-AD4A-2FB0B53FA6C9}"/>
+          </ac:spMkLst>
+        </pc:spChg>
+        <pc:spChg chg="mod">
+          <ac:chgData name="Brais Barboza Ordóñez" userId="b12ea269-bb14-4fab-aba9-c3326111896d" providerId="ADAL" clId="{98B1694D-CC28-4AA3-9DCA-00EA61110421}" dt="2022-01-10T13:56:05.927" v="168" actId="313"/>
+          <ac:spMkLst>
+            <pc:docMk/>
+            <pc:sldMk cId="2400300281" sldId="277"/>
+            <ac:spMk id="78" creationId="{5D77C6A1-4B45-43C2-8F65-7F27B0F2F586}"/>
           </ac:spMkLst>
         </pc:spChg>
       </pc:sldChg>
@@ -972,6 +996,91 @@
             <a:fld id="{F97DC217-DF71-1A49-B3EA-559F1F43B0FF}" type="slidenum">
               <a:rPr lang="es-ES" smtClean="0"/>
               <a:t>10</a:t>
+            </a:fld>
+            <a:endParaRPr lang="es-ES" dirty="0"/>
+          </a:p>
+        </p:txBody>
+      </p:sp>
+    </p:spTree>
+    <p:extLst>
+      <p:ext uri="{BB962C8B-B14F-4D97-AF65-F5344CB8AC3E}">
+        <p14:creationId xmlns:p14="http://schemas.microsoft.com/office/powerpoint/2010/main" val="463212010"/>
+      </p:ext>
+    </p:extLst>
+  </p:cSld>
+  <p:clrMapOvr>
+    <a:masterClrMapping/>
+  </p:clrMapOvr>
+</p:notes>
+</file>
+
+<file path=ppt/notesSlides/notesSlide11.xml><?xml version="1.0" encoding="utf-8"?>
+<p:notes xmlns:a="http://schemas.openxmlformats.org/drawingml/2006/main" xmlns:r="http://schemas.openxmlformats.org/officeDocument/2006/relationships" xmlns:p="http://schemas.openxmlformats.org/presentationml/2006/main">
+  <p:cSld>
+    <p:spTree>
+      <p:nvGrpSpPr>
+        <p:cNvPr id="1" name=""/>
+        <p:cNvGrpSpPr/>
+        <p:nvPr/>
+      </p:nvGrpSpPr>
+      <p:grpSpPr>
+        <a:xfrm>
+          <a:off x="0" y="0"/>
+          <a:ext cx="0" cy="0"/>
+          <a:chOff x="0" y="0"/>
+          <a:chExt cx="0" cy="0"/>
+        </a:xfrm>
+      </p:grpSpPr>
+      <p:sp>
+        <p:nvSpPr>
+          <p:cNvPr id="2" name="Marcador de imagen de diapositiva 1"/>
+          <p:cNvSpPr>
+            <a:spLocks noGrp="1" noRot="1" noChangeAspect="1"/>
+          </p:cNvSpPr>
+          <p:nvPr>
+            <p:ph type="sldImg"/>
+          </p:nvPr>
+        </p:nvSpPr>
+        <p:spPr/>
+      </p:sp>
+      <p:sp>
+        <p:nvSpPr>
+          <p:cNvPr id="3" name="Marcador de notas 2"/>
+          <p:cNvSpPr>
+            <a:spLocks noGrp="1"/>
+          </p:cNvSpPr>
+          <p:nvPr>
+            <p:ph type="body" idx="1"/>
+          </p:nvPr>
+        </p:nvSpPr>
+        <p:spPr/>
+        <p:txBody>
+          <a:bodyPr/>
+          <a:lstStyle/>
+          <a:p>
+            <a:endParaRPr lang="es-ES" noProof="0" dirty="0"/>
+          </a:p>
+        </p:txBody>
+      </p:sp>
+      <p:sp>
+        <p:nvSpPr>
+          <p:cNvPr id="4" name="Marcador de número de diapositiva 3"/>
+          <p:cNvSpPr>
+            <a:spLocks noGrp="1"/>
+          </p:cNvSpPr>
+          <p:nvPr>
+            <p:ph type="sldNum" sz="quarter" idx="5"/>
+          </p:nvPr>
+        </p:nvSpPr>
+        <p:spPr/>
+        <p:txBody>
+          <a:bodyPr/>
+          <a:lstStyle/>
+          <a:p>
+            <a:pPr rtl="0"/>
+            <a:fld id="{F97DC217-DF71-1A49-B3EA-559F1F43B0FF}" type="slidenum">
+              <a:rPr lang="es-ES" smtClean="0"/>
+              <a:t>11</a:t>
             </a:fld>
             <a:endParaRPr lang="es-ES" dirty="0"/>
           </a:p>
@@ -14124,6 +14233,153 @@
 </file>
 
 <file path=ppt/slides/slide10.xml><?xml version="1.0" encoding="utf-8"?>
+<p:sld xmlns:a="http://schemas.openxmlformats.org/drawingml/2006/main" xmlns:r="http://schemas.openxmlformats.org/officeDocument/2006/relationships" xmlns:p="http://schemas.openxmlformats.org/presentationml/2006/main">
+  <p:cSld>
+    <p:spTree>
+      <p:nvGrpSpPr>
+        <p:cNvPr id="1" name=""/>
+        <p:cNvGrpSpPr/>
+        <p:nvPr/>
+      </p:nvGrpSpPr>
+      <p:grpSpPr>
+        <a:xfrm>
+          <a:off x="0" y="0"/>
+          <a:ext cx="0" cy="0"/>
+          <a:chOff x="0" y="0"/>
+          <a:chExt cx="0" cy="0"/>
+        </a:xfrm>
+      </p:grpSpPr>
+      <p:sp>
+        <p:nvSpPr>
+          <p:cNvPr id="2" name="Título 1">
+            <a:extLst>
+              <a:ext uri="{FF2B5EF4-FFF2-40B4-BE49-F238E27FC236}">
+                <a16:creationId xmlns:a16="http://schemas.microsoft.com/office/drawing/2014/main" id="{27A6F7BB-30A8-4980-AD4A-2FB0B53FA6C9}"/>
+              </a:ext>
+            </a:extLst>
+          </p:cNvPr>
+          <p:cNvSpPr>
+            <a:spLocks noGrp="1"/>
+          </p:cNvSpPr>
+          <p:nvPr>
+            <p:ph type="title"/>
+          </p:nvPr>
+        </p:nvSpPr>
+        <p:spPr>
+          <a:xfrm>
+            <a:off x="381000" y="0"/>
+            <a:ext cx="10678142" cy="1325563"/>
+          </a:xfrm>
+        </p:spPr>
+        <p:txBody>
+          <a:bodyPr rtlCol="0"/>
+          <a:lstStyle/>
+          <a:p>
+            <a:pPr rtl="0"/>
+            <a:r>
+              <a:rPr lang="es-ES" dirty="0"/>
+              <a:t>Futuras implementaciones</a:t>
+            </a:r>
+          </a:p>
+        </p:txBody>
+      </p:sp>
+      <p:sp>
+        <p:nvSpPr>
+          <p:cNvPr id="5" name="Marcador de número de diapositiva 4">
+            <a:extLst>
+              <a:ext uri="{FF2B5EF4-FFF2-40B4-BE49-F238E27FC236}">
+                <a16:creationId xmlns:a16="http://schemas.microsoft.com/office/drawing/2014/main" id="{352A2850-23AF-A249-8907-5DAF2E2D2269}"/>
+              </a:ext>
+            </a:extLst>
+          </p:cNvPr>
+          <p:cNvSpPr>
+            <a:spLocks noGrp="1"/>
+          </p:cNvSpPr>
+          <p:nvPr>
+            <p:ph type="sldNum" sz="quarter" idx="27"/>
+          </p:nvPr>
+        </p:nvSpPr>
+        <p:spPr>
+          <a:xfrm>
+            <a:off x="9067800" y="6356350"/>
+            <a:ext cx="2743200" cy="365125"/>
+          </a:xfrm>
+        </p:spPr>
+        <p:txBody>
+          <a:bodyPr rtlCol="0"/>
+          <a:lstStyle/>
+          <a:p>
+            <a:pPr rtl="0"/>
+            <a:fld id="{294A09A9-5501-47C1-A89A-A340965A2BE2}" type="slidenum">
+              <a:rPr lang="es-ES" smtClean="0"/>
+              <a:pPr rtl="0"/>
+              <a:t>10</a:t>
+            </a:fld>
+            <a:endParaRPr lang="es-ES" dirty="0"/>
+          </a:p>
+        </p:txBody>
+      </p:sp>
+      <p:sp>
+        <p:nvSpPr>
+          <p:cNvPr id="78" name="CuadroTexto 77">
+            <a:extLst>
+              <a:ext uri="{FF2B5EF4-FFF2-40B4-BE49-F238E27FC236}">
+                <a16:creationId xmlns:a16="http://schemas.microsoft.com/office/drawing/2014/main" id="{5D77C6A1-4B45-43C2-8F65-7F27B0F2F586}"/>
+              </a:ext>
+            </a:extLst>
+          </p:cNvPr>
+          <p:cNvSpPr txBox="1"/>
+          <p:nvPr/>
+        </p:nvSpPr>
+        <p:spPr>
+          <a:xfrm>
+            <a:off x="905774" y="1915064"/>
+            <a:ext cx="7597401" cy="523220"/>
+          </a:xfrm>
+          <a:prstGeom prst="rect">
+            <a:avLst/>
+          </a:prstGeom>
+          <a:noFill/>
+        </p:spPr>
+        <p:txBody>
+          <a:bodyPr wrap="none" rtlCol="0">
+            <a:spAutoFit/>
+          </a:bodyPr>
+          <a:lstStyle/>
+          <a:p>
+            <a:pPr marL="457200" indent="-457200">
+              <a:buFont typeface="Arial" panose="020B0604020202020204" pitchFamily="34" charset="0"/>
+              <a:buChar char="•"/>
+            </a:pPr>
+            <a:r>
+              <a:rPr lang="gl-ES" sz="2800" dirty="0"/>
+              <a:t>Mostrar el valor del </a:t>
+            </a:r>
+            <a:r>
+              <a:rPr lang="es-ES" sz="2800" dirty="0"/>
+              <a:t>acelerómetro</a:t>
+            </a:r>
+            <a:r>
+              <a:rPr lang="gl-ES" sz="2800" dirty="0"/>
+              <a:t> en grados</a:t>
+            </a:r>
+          </a:p>
+        </p:txBody>
+      </p:sp>
+    </p:spTree>
+    <p:extLst>
+      <p:ext uri="{BB962C8B-B14F-4D97-AF65-F5344CB8AC3E}">
+        <p14:creationId xmlns:p14="http://schemas.microsoft.com/office/powerpoint/2010/main" val="2400300281"/>
+      </p:ext>
+    </p:extLst>
+  </p:cSld>
+  <p:clrMapOvr>
+    <a:masterClrMapping/>
+  </p:clrMapOvr>
+</p:sld>
+</file>
+
+<file path=ppt/slides/slide11.xml><?xml version="1.0" encoding="utf-8"?>
 <p:sld xmlns:a="http://schemas.openxmlformats.org/drawingml/2006/main" xmlns:r="http://schemas.openxmlformats.org/officeDocument/2006/relationships" xmlns:p="http://schemas.openxmlformats.org/presentationml/2006/main">
   <p:cSld>
     <p:spTree>

--- a/Presentación.pptx
+++ b/Presentación.pptx
@@ -14334,7 +14334,7 @@
         <p:spPr>
           <a:xfrm>
             <a:off x="905774" y="1915064"/>
-            <a:ext cx="7597401" cy="523220"/>
+            <a:ext cx="11028927" cy="523220"/>
           </a:xfrm>
           <a:prstGeom prst="rect">
             <a:avLst/>
@@ -14342,7 +14342,7 @@
           <a:noFill/>
         </p:spPr>
         <p:txBody>
-          <a:bodyPr wrap="none" rtlCol="0">
+          <a:bodyPr wrap="square" rtlCol="0">
             <a:spAutoFit/>
           </a:bodyPr>
           <a:lstStyle/>
@@ -14361,7 +14361,50 @@
             </a:r>
             <a:r>
               <a:rPr lang="gl-ES" sz="2800" dirty="0"/>
-              <a:t> en grados</a:t>
+              <a:t> en grados. </a:t>
+            </a:r>
+          </a:p>
+        </p:txBody>
+      </p:sp>
+      <p:sp>
+        <p:nvSpPr>
+          <p:cNvPr id="3" name="CuadroTexto 2">
+            <a:extLst>
+              <a:ext uri="{FF2B5EF4-FFF2-40B4-BE49-F238E27FC236}">
+                <a16:creationId xmlns:a16="http://schemas.microsoft.com/office/drawing/2014/main" id="{E5B24F14-82A4-4E8F-BCB2-C733BFDCB53A}"/>
+              </a:ext>
+            </a:extLst>
+          </p:cNvPr>
+          <p:cNvSpPr txBox="1"/>
+          <p:nvPr/>
+        </p:nvSpPr>
+        <p:spPr>
+          <a:xfrm>
+            <a:off x="905775" y="3184956"/>
+            <a:ext cx="7501956" cy="1569660"/>
+          </a:xfrm>
+          <a:prstGeom prst="rect">
+            <a:avLst/>
+          </a:prstGeom>
+          <a:noFill/>
+        </p:spPr>
+        <p:txBody>
+          <a:bodyPr wrap="square" rtlCol="0">
+            <a:spAutoFit/>
+          </a:bodyPr>
+          <a:lstStyle/>
+          <a:p>
+            <a:r>
+              <a:rPr lang="es-ES" sz="2400" dirty="0"/>
+              <a:t>Este microcontrolador </a:t>
+            </a:r>
+            <a:r>
+              <a:rPr lang="es-ES" sz="2400"/>
+              <a:t>no divisiones</a:t>
+            </a:r>
+            <a:r>
+              <a:rPr lang="es-ES" sz="2400" dirty="0"/>
+              <a:t>, por lo que se eliminaron los dos últimos bits del valor leído, pudiendo así obtener un valor inferior a 9999 que mostrar en el LCD</a:t>
             </a:r>
           </a:p>
         </p:txBody>
@@ -16809,25 +16852,6 @@
 </file>
 
 <file path=customXml/item2.xml><?xml version="1.0" encoding="utf-8"?>
-<p:properties xmlns:p="http://schemas.microsoft.com/office/2006/metadata/properties" xmlns:xsi="http://www.w3.org/2001/XMLSchema-instance" xmlns:pc="http://schemas.microsoft.com/office/infopath/2007/PartnerControls">
-  <documentManagement>
-    <_ip_UnifiedCompliancePolicyUIAction xmlns="http://schemas.microsoft.com/sharepoint/v3" xsi:nil="true"/>
-    <Image xmlns="71af3243-3dd4-4a8d-8c0d-dd76da1f02a5">
-      <Url xsi:nil="true"/>
-      <Description xsi:nil="true"/>
-    </Image>
-    <Status xmlns="71af3243-3dd4-4a8d-8c0d-dd76da1f02a5">Not started</Status>
-    <_ip_UnifiedCompliancePolicyProperties xmlns="http://schemas.microsoft.com/sharepoint/v3" xsi:nil="true"/>
-    <ImageTagsTaxHTField xmlns="71af3243-3dd4-4a8d-8c0d-dd76da1f02a5">
-      <Terms xmlns="http://schemas.microsoft.com/office/infopath/2007/PartnerControls"/>
-    </ImageTagsTaxHTField>
-    <TaxCatchAll xmlns="230e9df3-be65-4c73-a93b-d1236ebd677e"/>
-    <MediaServiceKeyPoints xmlns="71af3243-3dd4-4a8d-8c0d-dd76da1f02a5" xsi:nil="true"/>
-  </documentManagement>
-</p:properties>
-</file>
-
-<file path=customXml/item3.xml><?xml version="1.0" encoding="utf-8"?>
 <ct:contentTypeSchema xmlns:ct="http://schemas.microsoft.com/office/2006/metadata/contentType" xmlns:ma="http://schemas.microsoft.com/office/2006/metadata/properties/metaAttributes" ct:_="" ma:_="" ma:contentTypeName="Document" ma:contentTypeID="0x01010079F111ED35F8CC479449609E8A0923A6" ma:contentTypeVersion="21" ma:contentTypeDescription="Create a new document." ma:contentTypeScope="" ma:versionID="64dfb1555687e0874b4304b796b5b0c7">
   <xsd:schema xmlns:xsd="http://www.w3.org/2001/XMLSchema" xmlns:xs="http://www.w3.org/2001/XMLSchema" xmlns:p="http://schemas.microsoft.com/office/2006/metadata/properties" xmlns:ns1="http://schemas.microsoft.com/sharepoint/v3" xmlns:ns2="71af3243-3dd4-4a8d-8c0d-dd76da1f02a5" xmlns:ns3="16c05727-aa75-4e4a-9b5f-8a80a1165891" xmlns:ns4="230e9df3-be65-4c73-a93b-d1236ebd677e" targetNamespace="http://schemas.microsoft.com/office/2006/metadata/properties" ma:root="true" ma:fieldsID="e6e4c555b5e194d05b7203de9c4567b3" ns1:_="" ns2:_="" ns3:_="" ns4:_="">
     <xsd:import namespace="http://schemas.microsoft.com/sharepoint/v3"/>
@@ -17109,6 +17133,25 @@
 </ct:contentTypeSchema>
 </file>
 
+<file path=customXml/item3.xml><?xml version="1.0" encoding="utf-8"?>
+<p:properties xmlns:p="http://schemas.microsoft.com/office/2006/metadata/properties" xmlns:xsi="http://www.w3.org/2001/XMLSchema-instance" xmlns:pc="http://schemas.microsoft.com/office/infopath/2007/PartnerControls">
+  <documentManagement>
+    <_ip_UnifiedCompliancePolicyUIAction xmlns="http://schemas.microsoft.com/sharepoint/v3" xsi:nil="true"/>
+    <Image xmlns="71af3243-3dd4-4a8d-8c0d-dd76da1f02a5">
+      <Url xsi:nil="true"/>
+      <Description xsi:nil="true"/>
+    </Image>
+    <Status xmlns="71af3243-3dd4-4a8d-8c0d-dd76da1f02a5">Not started</Status>
+    <_ip_UnifiedCompliancePolicyProperties xmlns="http://schemas.microsoft.com/sharepoint/v3" xsi:nil="true"/>
+    <ImageTagsTaxHTField xmlns="71af3243-3dd4-4a8d-8c0d-dd76da1f02a5">
+      <Terms xmlns="http://schemas.microsoft.com/office/infopath/2007/PartnerControls"/>
+    </ImageTagsTaxHTField>
+    <TaxCatchAll xmlns="230e9df3-be65-4c73-a93b-d1236ebd677e"/>
+    <MediaServiceKeyPoints xmlns="71af3243-3dd4-4a8d-8c0d-dd76da1f02a5" xsi:nil="true"/>
+  </documentManagement>
+</p:properties>
+</file>
+
 <file path=customXml/itemProps1.xml><?xml version="1.0" encoding="utf-8"?>
 <ds:datastoreItem xmlns:ds="http://schemas.openxmlformats.org/officeDocument/2006/customXml" ds:itemID="{85334180-0405-413B-834A-44FA9E05ADB7}">
   <ds:schemaRefs>
@@ -17118,18 +17161,6 @@
 </file>
 
 <file path=customXml/itemProps2.xml><?xml version="1.0" encoding="utf-8"?>
-<ds:datastoreItem xmlns:ds="http://schemas.openxmlformats.org/officeDocument/2006/customXml" ds:itemID="{4D5BAB77-79E1-4739-AA51-10C9079186D6}">
-  <ds:schemaRefs>
-    <ds:schemaRef ds:uri="http://schemas.microsoft.com/office/2006/metadata/properties"/>
-    <ds:schemaRef ds:uri="http://schemas.microsoft.com/office/infopath/2007/PartnerControls"/>
-    <ds:schemaRef ds:uri="http://schemas.microsoft.com/sharepoint/v3"/>
-    <ds:schemaRef ds:uri="71af3243-3dd4-4a8d-8c0d-dd76da1f02a5"/>
-    <ds:schemaRef ds:uri="230e9df3-be65-4c73-a93b-d1236ebd677e"/>
-  </ds:schemaRefs>
-</ds:datastoreItem>
-</file>
-
-<file path=customXml/itemProps3.xml><?xml version="1.0" encoding="utf-8"?>
 <ds:datastoreItem xmlns:ds="http://schemas.openxmlformats.org/officeDocument/2006/customXml" ds:itemID="{4A615295-94F6-4CE2-A1B1-6B7E1DAA5AD6}">
   <ds:schemaRefs>
     <ds:schemaRef ds:uri="http://schemas.microsoft.com/office/2006/metadata/contentType"/>
@@ -17150,6 +17181,18 @@
 </ds:datastoreItem>
 </file>
 
+<file path=customXml/itemProps3.xml><?xml version="1.0" encoding="utf-8"?>
+<ds:datastoreItem xmlns:ds="http://schemas.openxmlformats.org/officeDocument/2006/customXml" ds:itemID="{4D5BAB77-79E1-4739-AA51-10C9079186D6}">
+  <ds:schemaRefs>
+    <ds:schemaRef ds:uri="http://schemas.microsoft.com/office/2006/metadata/properties"/>
+    <ds:schemaRef ds:uri="http://schemas.microsoft.com/office/infopath/2007/PartnerControls"/>
+    <ds:schemaRef ds:uri="http://schemas.microsoft.com/sharepoint/v3"/>
+    <ds:schemaRef ds:uri="71af3243-3dd4-4a8d-8c0d-dd76da1f02a5"/>
+    <ds:schemaRef ds:uri="230e9df3-be65-4c73-a93b-d1236ebd677e"/>
+  </ds:schemaRefs>
+</ds:datastoreItem>
+</file>
+
 <file path=docMetadata/LabelInfo.xml><?xml version="1.0" encoding="utf-8"?>
 <clbl:labelList xmlns:clbl="http://schemas.microsoft.com/office/2020/mipLabelMetadata">
   <clbl:label id="{f42aa342-8706-4288-bd11-ebb85995028c}" enabled="1" method="Standard" siteId="{72f988bf-86f1-41af-91ab-2d7cd011db47}" removed="0"/>

--- a/Presentación.pptx
+++ b/Presentación.pptx
@@ -15830,10 +15830,10 @@
       </p:sp>
       <p:pic>
         <p:nvPicPr>
-          <p:cNvPr id="47" name="Imagen 46" descr="Diagrama&#10;&#10;Descripción generada automáticamente">
-            <a:extLst>
-              <a:ext uri="{FF2B5EF4-FFF2-40B4-BE49-F238E27FC236}">
-                <a16:creationId xmlns:a16="http://schemas.microsoft.com/office/drawing/2014/main" id="{0BE965EF-C693-4938-9845-EEA4DD8AFBAA}"/>
+          <p:cNvPr id="4" name="Imagen 3" descr="Diagrama&#10;&#10;Descripción generada automáticamente">
+            <a:extLst>
+              <a:ext uri="{FF2B5EF4-FFF2-40B4-BE49-F238E27FC236}">
+                <a16:creationId xmlns:a16="http://schemas.microsoft.com/office/drawing/2014/main" id="{CBDD6817-72DF-49AE-9ED8-994A4DE9752A}"/>
               </a:ext>
             </a:extLst>
           </p:cNvPr>
@@ -15850,7 +15850,7 @@
         </p:blipFill>
         <p:spPr>
           <a:xfrm>
-            <a:off x="742449" y="1241754"/>
+            <a:off x="1740291" y="1603186"/>
             <a:ext cx="4105275" cy="4581525"/>
           </a:xfrm>
           <a:prstGeom prst="rect">
@@ -16852,6 +16852,25 @@
 </file>
 
 <file path=customXml/item2.xml><?xml version="1.0" encoding="utf-8"?>
+<p:properties xmlns:p="http://schemas.microsoft.com/office/2006/metadata/properties" xmlns:xsi="http://www.w3.org/2001/XMLSchema-instance" xmlns:pc="http://schemas.microsoft.com/office/infopath/2007/PartnerControls">
+  <documentManagement>
+    <_ip_UnifiedCompliancePolicyUIAction xmlns="http://schemas.microsoft.com/sharepoint/v3" xsi:nil="true"/>
+    <Image xmlns="71af3243-3dd4-4a8d-8c0d-dd76da1f02a5">
+      <Url xsi:nil="true"/>
+      <Description xsi:nil="true"/>
+    </Image>
+    <Status xmlns="71af3243-3dd4-4a8d-8c0d-dd76da1f02a5">Not started</Status>
+    <_ip_UnifiedCompliancePolicyProperties xmlns="http://schemas.microsoft.com/sharepoint/v3" xsi:nil="true"/>
+    <ImageTagsTaxHTField xmlns="71af3243-3dd4-4a8d-8c0d-dd76da1f02a5">
+      <Terms xmlns="http://schemas.microsoft.com/office/infopath/2007/PartnerControls"/>
+    </ImageTagsTaxHTField>
+    <TaxCatchAll xmlns="230e9df3-be65-4c73-a93b-d1236ebd677e"/>
+    <MediaServiceKeyPoints xmlns="71af3243-3dd4-4a8d-8c0d-dd76da1f02a5" xsi:nil="true"/>
+  </documentManagement>
+</p:properties>
+</file>
+
+<file path=customXml/item3.xml><?xml version="1.0" encoding="utf-8"?>
 <ct:contentTypeSchema xmlns:ct="http://schemas.microsoft.com/office/2006/metadata/contentType" xmlns:ma="http://schemas.microsoft.com/office/2006/metadata/properties/metaAttributes" ct:_="" ma:_="" ma:contentTypeName="Document" ma:contentTypeID="0x01010079F111ED35F8CC479449609E8A0923A6" ma:contentTypeVersion="21" ma:contentTypeDescription="Create a new document." ma:contentTypeScope="" ma:versionID="64dfb1555687e0874b4304b796b5b0c7">
   <xsd:schema xmlns:xsd="http://www.w3.org/2001/XMLSchema" xmlns:xs="http://www.w3.org/2001/XMLSchema" xmlns:p="http://schemas.microsoft.com/office/2006/metadata/properties" xmlns:ns1="http://schemas.microsoft.com/sharepoint/v3" xmlns:ns2="71af3243-3dd4-4a8d-8c0d-dd76da1f02a5" xmlns:ns3="16c05727-aa75-4e4a-9b5f-8a80a1165891" xmlns:ns4="230e9df3-be65-4c73-a93b-d1236ebd677e" targetNamespace="http://schemas.microsoft.com/office/2006/metadata/properties" ma:root="true" ma:fieldsID="e6e4c555b5e194d05b7203de9c4567b3" ns1:_="" ns2:_="" ns3:_="" ns4:_="">
     <xsd:import namespace="http://schemas.microsoft.com/sharepoint/v3"/>
@@ -17133,25 +17152,6 @@
 </ct:contentTypeSchema>
 </file>
 
-<file path=customXml/item3.xml><?xml version="1.0" encoding="utf-8"?>
-<p:properties xmlns:p="http://schemas.microsoft.com/office/2006/metadata/properties" xmlns:xsi="http://www.w3.org/2001/XMLSchema-instance" xmlns:pc="http://schemas.microsoft.com/office/infopath/2007/PartnerControls">
-  <documentManagement>
-    <_ip_UnifiedCompliancePolicyUIAction xmlns="http://schemas.microsoft.com/sharepoint/v3" xsi:nil="true"/>
-    <Image xmlns="71af3243-3dd4-4a8d-8c0d-dd76da1f02a5">
-      <Url xsi:nil="true"/>
-      <Description xsi:nil="true"/>
-    </Image>
-    <Status xmlns="71af3243-3dd4-4a8d-8c0d-dd76da1f02a5">Not started</Status>
-    <_ip_UnifiedCompliancePolicyProperties xmlns="http://schemas.microsoft.com/sharepoint/v3" xsi:nil="true"/>
-    <ImageTagsTaxHTField xmlns="71af3243-3dd4-4a8d-8c0d-dd76da1f02a5">
-      <Terms xmlns="http://schemas.microsoft.com/office/infopath/2007/PartnerControls"/>
-    </ImageTagsTaxHTField>
-    <TaxCatchAll xmlns="230e9df3-be65-4c73-a93b-d1236ebd677e"/>
-    <MediaServiceKeyPoints xmlns="71af3243-3dd4-4a8d-8c0d-dd76da1f02a5" xsi:nil="true"/>
-  </documentManagement>
-</p:properties>
-</file>
-
 <file path=customXml/itemProps1.xml><?xml version="1.0" encoding="utf-8"?>
 <ds:datastoreItem xmlns:ds="http://schemas.openxmlformats.org/officeDocument/2006/customXml" ds:itemID="{85334180-0405-413B-834A-44FA9E05ADB7}">
   <ds:schemaRefs>
@@ -17161,6 +17161,18 @@
 </file>
 
 <file path=customXml/itemProps2.xml><?xml version="1.0" encoding="utf-8"?>
+<ds:datastoreItem xmlns:ds="http://schemas.openxmlformats.org/officeDocument/2006/customXml" ds:itemID="{4D5BAB77-79E1-4739-AA51-10C9079186D6}">
+  <ds:schemaRefs>
+    <ds:schemaRef ds:uri="http://schemas.microsoft.com/office/2006/metadata/properties"/>
+    <ds:schemaRef ds:uri="http://schemas.microsoft.com/office/infopath/2007/PartnerControls"/>
+    <ds:schemaRef ds:uri="http://schemas.microsoft.com/sharepoint/v3"/>
+    <ds:schemaRef ds:uri="71af3243-3dd4-4a8d-8c0d-dd76da1f02a5"/>
+    <ds:schemaRef ds:uri="230e9df3-be65-4c73-a93b-d1236ebd677e"/>
+  </ds:schemaRefs>
+</ds:datastoreItem>
+</file>
+
+<file path=customXml/itemProps3.xml><?xml version="1.0" encoding="utf-8"?>
 <ds:datastoreItem xmlns:ds="http://schemas.openxmlformats.org/officeDocument/2006/customXml" ds:itemID="{4A615295-94F6-4CE2-A1B1-6B7E1DAA5AD6}">
   <ds:schemaRefs>
     <ds:schemaRef ds:uri="http://schemas.microsoft.com/office/2006/metadata/contentType"/>
@@ -17181,18 +17193,6 @@
 </ds:datastoreItem>
 </file>
 
-<file path=customXml/itemProps3.xml><?xml version="1.0" encoding="utf-8"?>
-<ds:datastoreItem xmlns:ds="http://schemas.openxmlformats.org/officeDocument/2006/customXml" ds:itemID="{4D5BAB77-79E1-4739-AA51-10C9079186D6}">
-  <ds:schemaRefs>
-    <ds:schemaRef ds:uri="http://schemas.microsoft.com/office/2006/metadata/properties"/>
-    <ds:schemaRef ds:uri="http://schemas.microsoft.com/office/infopath/2007/PartnerControls"/>
-    <ds:schemaRef ds:uri="http://schemas.microsoft.com/sharepoint/v3"/>
-    <ds:schemaRef ds:uri="71af3243-3dd4-4a8d-8c0d-dd76da1f02a5"/>
-    <ds:schemaRef ds:uri="230e9df3-be65-4c73-a93b-d1236ebd677e"/>
-  </ds:schemaRefs>
-</ds:datastoreItem>
-</file>
-
 <file path=docMetadata/LabelInfo.xml><?xml version="1.0" encoding="utf-8"?>
 <clbl:labelList xmlns:clbl="http://schemas.microsoft.com/office/2020/mipLabelMetadata">
   <clbl:label id="{f42aa342-8706-4288-bd11-ebb85995028c}" enabled="1" method="Standard" siteId="{72f988bf-86f1-41af-91ab-2d7cd011db47}" removed="0"/>

--- a/Presentación.pptx
+++ b/Presentación.pptx
@@ -15830,10 +15830,10 @@
       </p:sp>
       <p:pic>
         <p:nvPicPr>
-          <p:cNvPr id="4" name="Imagen 3" descr="Diagrama&#10;&#10;Descripción generada automáticamente">
-            <a:extLst>
-              <a:ext uri="{FF2B5EF4-FFF2-40B4-BE49-F238E27FC236}">
-                <a16:creationId xmlns:a16="http://schemas.microsoft.com/office/drawing/2014/main" id="{CBDD6817-72DF-49AE-9ED8-994A4DE9752A}"/>
+          <p:cNvPr id="8" name="Imagen 7" descr="Diagrama&#10;&#10;Descripción generada automáticamente">
+            <a:extLst>
+              <a:ext uri="{FF2B5EF4-FFF2-40B4-BE49-F238E27FC236}">
+                <a16:creationId xmlns:a16="http://schemas.microsoft.com/office/drawing/2014/main" id="{DD86F380-2F59-48BE-88F8-2843C49EFE0F}"/>
               </a:ext>
             </a:extLst>
           </p:cNvPr>
@@ -15850,8 +15850,8 @@
         </p:blipFill>
         <p:spPr>
           <a:xfrm>
-            <a:off x="1740291" y="1603186"/>
-            <a:ext cx="4105275" cy="4581525"/>
+            <a:off x="2549049" y="1121297"/>
+            <a:ext cx="4654890" cy="5194901"/>
           </a:xfrm>
           <a:prstGeom prst="rect">
             <a:avLst/>
@@ -16852,25 +16852,6 @@
 </file>
 
 <file path=customXml/item2.xml><?xml version="1.0" encoding="utf-8"?>
-<p:properties xmlns:p="http://schemas.microsoft.com/office/2006/metadata/properties" xmlns:xsi="http://www.w3.org/2001/XMLSchema-instance" xmlns:pc="http://schemas.microsoft.com/office/infopath/2007/PartnerControls">
-  <documentManagement>
-    <_ip_UnifiedCompliancePolicyUIAction xmlns="http://schemas.microsoft.com/sharepoint/v3" xsi:nil="true"/>
-    <Image xmlns="71af3243-3dd4-4a8d-8c0d-dd76da1f02a5">
-      <Url xsi:nil="true"/>
-      <Description xsi:nil="true"/>
-    </Image>
-    <Status xmlns="71af3243-3dd4-4a8d-8c0d-dd76da1f02a5">Not started</Status>
-    <_ip_UnifiedCompliancePolicyProperties xmlns="http://schemas.microsoft.com/sharepoint/v3" xsi:nil="true"/>
-    <ImageTagsTaxHTField xmlns="71af3243-3dd4-4a8d-8c0d-dd76da1f02a5">
-      <Terms xmlns="http://schemas.microsoft.com/office/infopath/2007/PartnerControls"/>
-    </ImageTagsTaxHTField>
-    <TaxCatchAll xmlns="230e9df3-be65-4c73-a93b-d1236ebd677e"/>
-    <MediaServiceKeyPoints xmlns="71af3243-3dd4-4a8d-8c0d-dd76da1f02a5" xsi:nil="true"/>
-  </documentManagement>
-</p:properties>
-</file>
-
-<file path=customXml/item3.xml><?xml version="1.0" encoding="utf-8"?>
 <ct:contentTypeSchema xmlns:ct="http://schemas.microsoft.com/office/2006/metadata/contentType" xmlns:ma="http://schemas.microsoft.com/office/2006/metadata/properties/metaAttributes" ct:_="" ma:_="" ma:contentTypeName="Document" ma:contentTypeID="0x01010079F111ED35F8CC479449609E8A0923A6" ma:contentTypeVersion="21" ma:contentTypeDescription="Create a new document." ma:contentTypeScope="" ma:versionID="64dfb1555687e0874b4304b796b5b0c7">
   <xsd:schema xmlns:xsd="http://www.w3.org/2001/XMLSchema" xmlns:xs="http://www.w3.org/2001/XMLSchema" xmlns:p="http://schemas.microsoft.com/office/2006/metadata/properties" xmlns:ns1="http://schemas.microsoft.com/sharepoint/v3" xmlns:ns2="71af3243-3dd4-4a8d-8c0d-dd76da1f02a5" xmlns:ns3="16c05727-aa75-4e4a-9b5f-8a80a1165891" xmlns:ns4="230e9df3-be65-4c73-a93b-d1236ebd677e" targetNamespace="http://schemas.microsoft.com/office/2006/metadata/properties" ma:root="true" ma:fieldsID="e6e4c555b5e194d05b7203de9c4567b3" ns1:_="" ns2:_="" ns3:_="" ns4:_="">
     <xsd:import namespace="http://schemas.microsoft.com/sharepoint/v3"/>
@@ -17152,6 +17133,25 @@
 </ct:contentTypeSchema>
 </file>
 
+<file path=customXml/item3.xml><?xml version="1.0" encoding="utf-8"?>
+<p:properties xmlns:p="http://schemas.microsoft.com/office/2006/metadata/properties" xmlns:xsi="http://www.w3.org/2001/XMLSchema-instance" xmlns:pc="http://schemas.microsoft.com/office/infopath/2007/PartnerControls">
+  <documentManagement>
+    <_ip_UnifiedCompliancePolicyUIAction xmlns="http://schemas.microsoft.com/sharepoint/v3" xsi:nil="true"/>
+    <Image xmlns="71af3243-3dd4-4a8d-8c0d-dd76da1f02a5">
+      <Url xsi:nil="true"/>
+      <Description xsi:nil="true"/>
+    </Image>
+    <Status xmlns="71af3243-3dd4-4a8d-8c0d-dd76da1f02a5">Not started</Status>
+    <_ip_UnifiedCompliancePolicyProperties xmlns="http://schemas.microsoft.com/sharepoint/v3" xsi:nil="true"/>
+    <ImageTagsTaxHTField xmlns="71af3243-3dd4-4a8d-8c0d-dd76da1f02a5">
+      <Terms xmlns="http://schemas.microsoft.com/office/infopath/2007/PartnerControls"/>
+    </ImageTagsTaxHTField>
+    <TaxCatchAll xmlns="230e9df3-be65-4c73-a93b-d1236ebd677e"/>
+    <MediaServiceKeyPoints xmlns="71af3243-3dd4-4a8d-8c0d-dd76da1f02a5" xsi:nil="true"/>
+  </documentManagement>
+</p:properties>
+</file>
+
 <file path=customXml/itemProps1.xml><?xml version="1.0" encoding="utf-8"?>
 <ds:datastoreItem xmlns:ds="http://schemas.openxmlformats.org/officeDocument/2006/customXml" ds:itemID="{85334180-0405-413B-834A-44FA9E05ADB7}">
   <ds:schemaRefs>
@@ -17161,18 +17161,6 @@
 </file>
 
 <file path=customXml/itemProps2.xml><?xml version="1.0" encoding="utf-8"?>
-<ds:datastoreItem xmlns:ds="http://schemas.openxmlformats.org/officeDocument/2006/customXml" ds:itemID="{4D5BAB77-79E1-4739-AA51-10C9079186D6}">
-  <ds:schemaRefs>
-    <ds:schemaRef ds:uri="http://schemas.microsoft.com/office/2006/metadata/properties"/>
-    <ds:schemaRef ds:uri="http://schemas.microsoft.com/office/infopath/2007/PartnerControls"/>
-    <ds:schemaRef ds:uri="http://schemas.microsoft.com/sharepoint/v3"/>
-    <ds:schemaRef ds:uri="71af3243-3dd4-4a8d-8c0d-dd76da1f02a5"/>
-    <ds:schemaRef ds:uri="230e9df3-be65-4c73-a93b-d1236ebd677e"/>
-  </ds:schemaRefs>
-</ds:datastoreItem>
-</file>
-
-<file path=customXml/itemProps3.xml><?xml version="1.0" encoding="utf-8"?>
 <ds:datastoreItem xmlns:ds="http://schemas.openxmlformats.org/officeDocument/2006/customXml" ds:itemID="{4A615295-94F6-4CE2-A1B1-6B7E1DAA5AD6}">
   <ds:schemaRefs>
     <ds:schemaRef ds:uri="http://schemas.microsoft.com/office/2006/metadata/contentType"/>
@@ -17193,6 +17181,18 @@
 </ds:datastoreItem>
 </file>
 
+<file path=customXml/itemProps3.xml><?xml version="1.0" encoding="utf-8"?>
+<ds:datastoreItem xmlns:ds="http://schemas.openxmlformats.org/officeDocument/2006/customXml" ds:itemID="{4D5BAB77-79E1-4739-AA51-10C9079186D6}">
+  <ds:schemaRefs>
+    <ds:schemaRef ds:uri="http://schemas.microsoft.com/office/2006/metadata/properties"/>
+    <ds:schemaRef ds:uri="http://schemas.microsoft.com/office/infopath/2007/PartnerControls"/>
+    <ds:schemaRef ds:uri="http://schemas.microsoft.com/sharepoint/v3"/>
+    <ds:schemaRef ds:uri="71af3243-3dd4-4a8d-8c0d-dd76da1f02a5"/>
+    <ds:schemaRef ds:uri="230e9df3-be65-4c73-a93b-d1236ebd677e"/>
+  </ds:schemaRefs>
+</ds:datastoreItem>
+</file>
+
 <file path=docMetadata/LabelInfo.xml><?xml version="1.0" encoding="utf-8"?>
 <clbl:labelList xmlns:clbl="http://schemas.microsoft.com/office/2020/mipLabelMetadata">
   <clbl:label id="{f42aa342-8706-4288-bd11-ebb85995028c}" enabled="1" method="Standard" siteId="{72f988bf-86f1-41af-91ab-2d7cd011db47}" removed="0"/>
